--- a/800. 개인프로젝트/01. 웹프로젝트/01. 자료수집/포트폴리오 장정윤(참고).pptx
+++ b/800. 개인프로젝트/01. 웹프로젝트/01. 자료수집/포트폴리오 장정윤(참고).pptx
@@ -108,6 +108,11 @@
       </a:defRPr>
     </a:lvl9pPr>
   </p:defaultTextStyle>
+  <p:extLst>
+    <p:ext uri="{EFAFB233-063F-42B5-8137-9DF3F51BA10A}">
+      <p15:sldGuideLst xmlns:p15="http://schemas.microsoft.com/office/powerpoint/2012/main"/>
+    </p:ext>
+  </p:extLst>
 </p:presentation>
 </file>
 
@@ -2984,26 +2989,38 @@
           <a:lstStyle/>
           <a:p>
             <a:r>
-              <a:rPr lang="ko-KR" altLang="en-US" dirty="0" err="1" smtClean="0"/>
+              <a:rPr lang="ko-KR" altLang="en-US" dirty="0" err="1" smtClean="0">
+                <a:latin typeface="나눔"/>
+              </a:rPr>
               <a:t>포폴</a:t>
             </a:r>
             <a:r>
-              <a:rPr lang="ko-KR" altLang="en-US" dirty="0" smtClean="0"/>
+              <a:rPr lang="ko-KR" altLang="en-US" dirty="0" smtClean="0">
+                <a:latin typeface="나눔"/>
+              </a:rPr>
               <a:t> </a:t>
             </a:r>
             <a:r>
-              <a:rPr lang="en-US" altLang="ko-KR" dirty="0" smtClean="0"/>
+              <a:rPr lang="en-US" altLang="ko-KR" dirty="0" smtClean="0">
+                <a:latin typeface="나눔"/>
+              </a:rPr>
               <a:t>(</a:t>
             </a:r>
             <a:r>
-              <a:rPr lang="ko-KR" altLang="en-US" dirty="0" smtClean="0"/>
+              <a:rPr lang="ko-KR" altLang="en-US" dirty="0" smtClean="0">
+                <a:latin typeface="나눔"/>
+              </a:rPr>
               <a:t>참고</a:t>
             </a:r>
             <a:r>
-              <a:rPr lang="en-US" altLang="ko-KR" dirty="0" smtClean="0"/>
+              <a:rPr lang="en-US" altLang="ko-KR" dirty="0" smtClean="0">
+                <a:latin typeface="나눔"/>
+              </a:rPr>
               <a:t>)</a:t>
             </a:r>
-            <a:endParaRPr lang="ko-KR" altLang="en-US" dirty="0"/>
+            <a:endParaRPr lang="ko-KR" altLang="en-US" dirty="0">
+              <a:latin typeface="나눔"/>
+            </a:endParaRPr>
           </a:p>
         </p:txBody>
       </p:sp>
